--- a/Capstone Project - Car accident severity (Week 2).pptx
+++ b/Capstone Project - Car accident severity (Week 2).pptx
@@ -119,6 +119,11 @@
       </a:defRPr>
     </a:lvl9pPr>
   </p:defaultTextStyle>
+  <p:extLst>
+    <p:ext uri="{EFAFB233-063F-42B5-8137-9DF3F51BA10A}">
+      <p15:sldGuideLst xmlns:p15="http://schemas.microsoft.com/office/powerpoint/2012/main"/>
+    </p:ext>
+  </p:extLst>
 </p:presentation>
 </file>
 
@@ -6531,7 +6536,7 @@
           <a:lstStyle/>
           <a:p>
             <a:r>
-              <a:rPr lang="en-IN" b="1" i="0">
+              <a:rPr lang="en-IN" b="1" i="0" dirty="0">
                 <a:solidFill>
                   <a:srgbClr val="FFFFFF"/>
                 </a:solidFill>
@@ -6540,7 +6545,7 @@
               </a:rPr>
               <a:t>Car accident severity</a:t>
             </a:r>
-            <a:endParaRPr lang="en-IN">
+            <a:endParaRPr lang="en-IN" dirty="0">
               <a:solidFill>
                 <a:srgbClr val="FFFFFF"/>
               </a:solidFill>
@@ -6572,12 +6577,12 @@
         </p:spPr>
         <p:txBody>
           <a:bodyPr>
-            <a:normAutofit/>
+            <a:normAutofit fontScale="47500" lnSpcReduction="20000"/>
           </a:bodyPr>
           <a:lstStyle/>
           <a:p>
             <a:r>
-              <a:rPr lang="en-IN" b="0" i="0">
+              <a:rPr lang="en-IN" sz="5100" b="0" i="0" dirty="0">
                 <a:solidFill>
                   <a:srgbClr val="FFFFFF"/>
                 </a:solidFill>
@@ -6586,11 +6591,38 @@
               </a:rPr>
               <a:t>Capstone Project</a:t>
             </a:r>
-            <a:endParaRPr lang="en-IN">
+          </a:p>
+          <a:p>
+            <a:endParaRPr lang="en-IN" dirty="0">
               <a:solidFill>
                 <a:srgbClr val="FFFFFF"/>
               </a:solidFill>
+              <a:latin typeface="OpenSans-Light"/>
             </a:endParaRPr>
+          </a:p>
+          <a:p>
+            <a:endParaRPr lang="en-IN" dirty="0">
+              <a:solidFill>
+                <a:srgbClr val="FFFFFF"/>
+              </a:solidFill>
+              <a:latin typeface="OpenSans-Light"/>
+            </a:endParaRPr>
+          </a:p>
+          <a:p>
+            <a:r>
+              <a:rPr lang="en-IN" dirty="0">
+                <a:latin typeface="OpenSans-Light"/>
+                <a:hlinkClick r:id="rId3">
+                  <a:extLst>
+                    <a:ext uri="{A12FA001-AC4F-418D-AE19-62706E023703}">
+                      <ahyp:hlinkClr xmlns:ahyp="http://schemas.microsoft.com/office/drawing/2018/hyperlinkcolor" val="tx"/>
+                    </a:ext>
+                  </a:extLst>
+                </a:hlinkClick>
+              </a:rPr>
+              <a:t>Kunal Das</a:t>
+            </a:r>
+            <a:endParaRPr lang="en-IN" dirty="0"/>
           </a:p>
         </p:txBody>
       </p:sp>
